--- a/Project ppt.pptx
+++ b/Project ppt.pptx
@@ -5,7 +5,7 @@
     <p:sldMasterId id="2147483660" r:id="rId1"/>
   </p:sldMasterIdLst>
   <p:notesMasterIdLst>
-    <p:notesMasterId r:id="rId35"/>
+    <p:notesMasterId r:id="rId36"/>
   </p:notesMasterIdLst>
   <p:sldIdLst>
     <p:sldId id="256" r:id="rId2"/>
@@ -32,15 +32,16 @@
     <p:sldId id="276" r:id="rId23"/>
     <p:sldId id="290" r:id="rId24"/>
     <p:sldId id="291" r:id="rId25"/>
-    <p:sldId id="268" r:id="rId26"/>
-    <p:sldId id="279" r:id="rId27"/>
-    <p:sldId id="281" r:id="rId28"/>
-    <p:sldId id="280" r:id="rId29"/>
-    <p:sldId id="292" r:id="rId30"/>
-    <p:sldId id="269" r:id="rId31"/>
-    <p:sldId id="270" r:id="rId32"/>
-    <p:sldId id="265" r:id="rId33"/>
-    <p:sldId id="271" r:id="rId34"/>
+    <p:sldId id="293" r:id="rId26"/>
+    <p:sldId id="268" r:id="rId27"/>
+    <p:sldId id="279" r:id="rId28"/>
+    <p:sldId id="281" r:id="rId29"/>
+    <p:sldId id="280" r:id="rId30"/>
+    <p:sldId id="292" r:id="rId31"/>
+    <p:sldId id="269" r:id="rId32"/>
+    <p:sldId id="270" r:id="rId33"/>
+    <p:sldId id="265" r:id="rId34"/>
+    <p:sldId id="271" r:id="rId35"/>
   </p:sldIdLst>
   <p:sldSz cx="9144000" cy="6858000" type="screen4x3"/>
   <p:notesSz cx="6858000" cy="9144000"/>
@@ -145,6 +146,43 @@
     </p:ext>
   </p:extLst>
 </p:presentation>
+</file>
+
+<file path=ppt/changesInfos/changesInfo1.xml><?xml version="1.0" encoding="utf-8"?>
+<pc:chgInfo xmlns:a="http://schemas.openxmlformats.org/drawingml/2006/main" xmlns:r="http://schemas.openxmlformats.org/officeDocument/2006/relationships" xmlns:ac="http://schemas.microsoft.com/office/drawing/2013/main/command" xmlns:pc="http://schemas.microsoft.com/office/powerpoint/2013/main/command">
+  <pc:docChgLst>
+    <pc:chgData name="thirugnanam radhakrishnan" userId="0cc0b46a006b4fa8" providerId="LiveId" clId="{8ABEBCF2-15A2-45D5-8FC7-DE48D4CB5640}"/>
+    <pc:docChg chg="addSld modSld">
+      <pc:chgData name="thirugnanam radhakrishnan" userId="0cc0b46a006b4fa8" providerId="LiveId" clId="{8ABEBCF2-15A2-45D5-8FC7-DE48D4CB5640}" dt="2023-04-07T13:47:38.991" v="27" actId="1076"/>
+      <pc:docMkLst>
+        <pc:docMk/>
+      </pc:docMkLst>
+      <pc:sldChg chg="modSp new mod">
+        <pc:chgData name="thirugnanam radhakrishnan" userId="0cc0b46a006b4fa8" providerId="LiveId" clId="{8ABEBCF2-15A2-45D5-8FC7-DE48D4CB5640}" dt="2023-04-07T13:47:38.991" v="27" actId="1076"/>
+        <pc:sldMkLst>
+          <pc:docMk/>
+          <pc:sldMk cId="4083838200" sldId="293"/>
+        </pc:sldMkLst>
+        <pc:spChg chg="mod">
+          <ac:chgData name="thirugnanam radhakrishnan" userId="0cc0b46a006b4fa8" providerId="LiveId" clId="{8ABEBCF2-15A2-45D5-8FC7-DE48D4CB5640}" dt="2023-04-07T13:47:38.991" v="27" actId="1076"/>
+          <ac:spMkLst>
+            <pc:docMk/>
+            <pc:sldMk cId="4083838200" sldId="293"/>
+            <ac:spMk id="2" creationId="{28D0626B-B01D-10FC-15D7-05B77F0BEDA8}"/>
+          </ac:spMkLst>
+        </pc:spChg>
+        <pc:spChg chg="mod">
+          <ac:chgData name="thirugnanam radhakrishnan" userId="0cc0b46a006b4fa8" providerId="LiveId" clId="{8ABEBCF2-15A2-45D5-8FC7-DE48D4CB5640}" dt="2023-04-07T13:47:37.838" v="26" actId="403"/>
+          <ac:spMkLst>
+            <pc:docMk/>
+            <pc:sldMk cId="4083838200" sldId="293"/>
+            <ac:spMk id="3" creationId="{BB3865D6-774E-0541-511C-B12943C4FA67}"/>
+          </ac:spMkLst>
+        </pc:spChg>
+      </pc:sldChg>
+    </pc:docChg>
+  </pc:docChgLst>
+</pc:chgInfo>
 </file>
 
 <file path=ppt/notesMasters/notesMaster1.xml><?xml version="1.0" encoding="utf-8"?>
@@ -8267,6 +8305,233 @@
           <p:cNvPr id="2" name="Title 1">
             <a:extLst>
               <a:ext uri="{FF2B5EF4-FFF2-40B4-BE49-F238E27FC236}">
+                <a16:creationId xmlns:a16="http://schemas.microsoft.com/office/drawing/2014/main" id="{28D0626B-B01D-10FC-15D7-05B77F0BEDA8}"/>
+              </a:ext>
+            </a:extLst>
+          </p:cNvPr>
+          <p:cNvSpPr>
+            <a:spLocks noGrp="1"/>
+          </p:cNvSpPr>
+          <p:nvPr>
+            <p:ph type="title"/>
+          </p:nvPr>
+        </p:nvSpPr>
+        <p:spPr>
+          <a:xfrm>
+            <a:off x="628650" y="338233"/>
+            <a:ext cx="7886700" cy="755462"/>
+          </a:xfrm>
+        </p:spPr>
+        <p:txBody>
+          <a:bodyPr>
+            <a:normAutofit/>
+          </a:bodyPr>
+          <a:lstStyle/>
+          <a:p>
+            <a:pPr algn="ctr"/>
+            <a:r>
+              <a:rPr lang="en-US" sz="3600" b="1" dirty="0">
+                <a:solidFill>
+                  <a:srgbClr val="7030A0"/>
+                </a:solidFill>
+                <a:effectLst/>
+                <a:latin typeface="Times New Roman" panose="02020603050405020304" pitchFamily="18" charset="0"/>
+                <a:ea typeface="Calibri" panose="020F0502020204030204" pitchFamily="34" charset="0"/>
+                <a:cs typeface="Times New Roman" panose="02020603050405020304" pitchFamily="18" charset="0"/>
+              </a:rPr>
+              <a:t>Module Description</a:t>
+            </a:r>
+            <a:endParaRPr lang="en-IN" sz="3600" dirty="0"/>
+          </a:p>
+        </p:txBody>
+      </p:sp>
+      <p:sp>
+        <p:nvSpPr>
+          <p:cNvPr id="3" name="Content Placeholder 2">
+            <a:extLst>
+              <a:ext uri="{FF2B5EF4-FFF2-40B4-BE49-F238E27FC236}">
+                <a16:creationId xmlns:a16="http://schemas.microsoft.com/office/drawing/2014/main" id="{BB3865D6-774E-0541-511C-B12943C4FA67}"/>
+              </a:ext>
+            </a:extLst>
+          </p:cNvPr>
+          <p:cNvSpPr>
+            <a:spLocks noGrp="1"/>
+          </p:cNvSpPr>
+          <p:nvPr>
+            <p:ph idx="1"/>
+          </p:nvPr>
+        </p:nvSpPr>
+        <p:spPr/>
+        <p:txBody>
+          <a:bodyPr/>
+          <a:lstStyle/>
+          <a:p>
+            <a:pPr marL="0" indent="0">
+              <a:buNone/>
+            </a:pPr>
+            <a:r>
+              <a:rPr lang="en-IN" dirty="0">
+                <a:latin typeface="Times New Roman" panose="02020603050405020304" pitchFamily="18" charset="0"/>
+                <a:cs typeface="Times New Roman" panose="02020603050405020304" pitchFamily="18" charset="0"/>
+              </a:rPr>
+              <a:t>Deploy:</a:t>
+            </a:r>
+          </a:p>
+          <a:p>
+            <a:pPr marL="0" indent="0">
+              <a:buNone/>
+            </a:pPr>
+            <a:r>
+              <a:rPr lang="en-IN" dirty="0">
+                <a:latin typeface="Times New Roman" panose="02020603050405020304" pitchFamily="18" charset="0"/>
+                <a:cs typeface="Times New Roman" panose="02020603050405020304" pitchFamily="18" charset="0"/>
+              </a:rPr>
+              <a:t>	</a:t>
+            </a:r>
+            <a:r>
+              <a:rPr lang="en-US" sz="2400" dirty="0">
+                <a:latin typeface="Times New Roman" pitchFamily="18" charset="0"/>
+                <a:cs typeface="Times New Roman" pitchFamily="18" charset="0"/>
+              </a:rPr>
+              <a:t>In this module the trained machine learning model is converted into pickle data format file (.</a:t>
+            </a:r>
+            <a:r>
+              <a:rPr lang="en-US" sz="2400" dirty="0" err="1">
+                <a:latin typeface="Times New Roman" pitchFamily="18" charset="0"/>
+                <a:cs typeface="Times New Roman" pitchFamily="18" charset="0"/>
+              </a:rPr>
+              <a:t>pkl</a:t>
+            </a:r>
+            <a:r>
+              <a:rPr lang="en-US" sz="2400" dirty="0">
+                <a:latin typeface="Times New Roman" pitchFamily="18" charset="0"/>
+                <a:cs typeface="Times New Roman" pitchFamily="18" charset="0"/>
+              </a:rPr>
+              <a:t> file) which is then deployed in our flask framework for providing better user interface and predicting the output of how much the given data is emotions based on texts. The webpage takes voice as well as text input to recognize emotions. The voice input method is achieved using HTML and </a:t>
+            </a:r>
+            <a:r>
+              <a:rPr lang="en-US" sz="2400" dirty="0" err="1">
+                <a:latin typeface="Times New Roman" pitchFamily="18" charset="0"/>
+                <a:cs typeface="Times New Roman" pitchFamily="18" charset="0"/>
+              </a:rPr>
+              <a:t>Javascript</a:t>
+            </a:r>
+            <a:r>
+              <a:rPr lang="en-US" sz="2400" dirty="0">
+                <a:latin typeface="Times New Roman" pitchFamily="18" charset="0"/>
+                <a:cs typeface="Times New Roman" pitchFamily="18" charset="0"/>
+              </a:rPr>
+              <a:t> code.</a:t>
+            </a:r>
+            <a:endParaRPr lang="en-IN" sz="2400" b="1" dirty="0">
+              <a:latin typeface="Times New Roman" pitchFamily="18" charset="0"/>
+              <a:cs typeface="Times New Roman" pitchFamily="18" charset="0"/>
+            </a:endParaRPr>
+          </a:p>
+          <a:p>
+            <a:pPr marL="0" indent="0">
+              <a:buNone/>
+            </a:pPr>
+            <a:endParaRPr lang="en-IN" dirty="0">
+              <a:latin typeface="Times New Roman" panose="02020603050405020304" pitchFamily="18" charset="0"/>
+              <a:cs typeface="Times New Roman" panose="02020603050405020304" pitchFamily="18" charset="0"/>
+            </a:endParaRPr>
+          </a:p>
+        </p:txBody>
+      </p:sp>
+      <p:sp>
+        <p:nvSpPr>
+          <p:cNvPr id="4" name="Date Placeholder 3">
+            <a:extLst>
+              <a:ext uri="{FF2B5EF4-FFF2-40B4-BE49-F238E27FC236}">
+                <a16:creationId xmlns:a16="http://schemas.microsoft.com/office/drawing/2014/main" id="{CAF486EB-71D7-3E44-F181-D4B4ED3BDE57}"/>
+              </a:ext>
+            </a:extLst>
+          </p:cNvPr>
+          <p:cNvSpPr>
+            <a:spLocks noGrp="1"/>
+          </p:cNvSpPr>
+          <p:nvPr>
+            <p:ph type="dt" sz="half" idx="10"/>
+          </p:nvPr>
+        </p:nvSpPr>
+        <p:spPr/>
+        <p:txBody>
+          <a:bodyPr/>
+          <a:lstStyle/>
+          <a:p>
+            <a:fld id="{88D22DAB-7094-45B8-85D5-D3661D95DC5B}" type="datetime1">
+              <a:rPr lang="en-IN" smtClean="0"/>
+              <a:t>07-04-2023</a:t>
+            </a:fld>
+            <a:endParaRPr lang="en-IN"/>
+          </a:p>
+        </p:txBody>
+      </p:sp>
+      <p:sp>
+        <p:nvSpPr>
+          <p:cNvPr id="5" name="Slide Number Placeholder 4">
+            <a:extLst>
+              <a:ext uri="{FF2B5EF4-FFF2-40B4-BE49-F238E27FC236}">
+                <a16:creationId xmlns:a16="http://schemas.microsoft.com/office/drawing/2014/main" id="{A8BB60FC-6205-ADF1-22CD-27690DD507F1}"/>
+              </a:ext>
+            </a:extLst>
+          </p:cNvPr>
+          <p:cNvSpPr>
+            <a:spLocks noGrp="1"/>
+          </p:cNvSpPr>
+          <p:nvPr>
+            <p:ph type="sldNum" sz="quarter" idx="12"/>
+          </p:nvPr>
+        </p:nvSpPr>
+        <p:spPr/>
+        <p:txBody>
+          <a:bodyPr/>
+          <a:lstStyle/>
+          <a:p>
+            <a:fld id="{9D3FF152-60F5-4862-82F9-1190556AA56F}" type="slidenum">
+              <a:rPr lang="en-IN" smtClean="0"/>
+              <a:t>25</a:t>
+            </a:fld>
+            <a:endParaRPr lang="en-IN"/>
+          </a:p>
+        </p:txBody>
+      </p:sp>
+    </p:spTree>
+    <p:extLst>
+      <p:ext uri="{BB962C8B-B14F-4D97-AF65-F5344CB8AC3E}">
+        <p14:creationId xmlns:p14="http://schemas.microsoft.com/office/powerpoint/2010/main" val="4083838200"/>
+      </p:ext>
+    </p:extLst>
+  </p:cSld>
+  <p:clrMapOvr>
+    <a:masterClrMapping/>
+  </p:clrMapOvr>
+</p:sld>
+</file>
+
+<file path=ppt/slides/slide26.xml><?xml version="1.0" encoding="utf-8"?>
+<p:sld xmlns:a="http://schemas.openxmlformats.org/drawingml/2006/main" xmlns:r="http://schemas.openxmlformats.org/officeDocument/2006/relationships" xmlns:p="http://schemas.openxmlformats.org/presentationml/2006/main">
+  <p:cSld>
+    <p:spTree>
+      <p:nvGrpSpPr>
+        <p:cNvPr id="1" name=""/>
+        <p:cNvGrpSpPr/>
+        <p:nvPr/>
+      </p:nvGrpSpPr>
+      <p:grpSpPr>
+        <a:xfrm>
+          <a:off x="0" y="0"/>
+          <a:ext cx="0" cy="0"/>
+          <a:chOff x="0" y="0"/>
+          <a:chExt cx="0" cy="0"/>
+        </a:xfrm>
+      </p:grpSpPr>
+      <p:sp>
+        <p:nvSpPr>
+          <p:cNvPr id="2" name="Title 1">
+            <a:extLst>
+              <a:ext uri="{FF2B5EF4-FFF2-40B4-BE49-F238E27FC236}">
                 <a16:creationId xmlns:a16="http://schemas.microsoft.com/office/drawing/2014/main" id="{7513A726-45BD-4B17-BF54-42F7352C7AE4}"/>
               </a:ext>
             </a:extLst>
@@ -8365,7 +8630,7 @@
           <a:p>
             <a:fld id="{9D3FF152-60F5-4862-82F9-1190556AA56F}" type="slidenum">
               <a:rPr lang="en-IN" smtClean="0"/>
-              <a:t>25</a:t>
+              <a:t>26</a:t>
             </a:fld>
             <a:endParaRPr lang="en-IN"/>
           </a:p>
@@ -8821,7 +9086,7 @@
 </p:sld>
 </file>
 
-<file path=ppt/slides/slide26.xml><?xml version="1.0" encoding="utf-8"?>
+<file path=ppt/slides/slide27.xml><?xml version="1.0" encoding="utf-8"?>
 <p:sld xmlns:a="http://schemas.openxmlformats.org/drawingml/2006/main" xmlns:r="http://schemas.openxmlformats.org/officeDocument/2006/relationships" xmlns:p="http://schemas.openxmlformats.org/presentationml/2006/main">
   <p:cSld>
     <p:spTree>
@@ -8941,7 +9206,7 @@
           <a:p>
             <a:fld id="{9D3FF152-60F5-4862-82F9-1190556AA56F}" type="slidenum">
               <a:rPr lang="en-IN" smtClean="0"/>
-              <a:t>26</a:t>
+              <a:t>27</a:t>
             </a:fld>
             <a:endParaRPr lang="en-IN"/>
           </a:p>
@@ -9029,7 +9294,7 @@
 </p:sld>
 </file>
 
-<file path=ppt/slides/slide27.xml><?xml version="1.0" encoding="utf-8"?>
+<file path=ppt/slides/slide28.xml><?xml version="1.0" encoding="utf-8"?>
 <p:sld xmlns:a="http://schemas.openxmlformats.org/drawingml/2006/main" xmlns:r="http://schemas.openxmlformats.org/officeDocument/2006/relationships" xmlns:p="http://schemas.openxmlformats.org/presentationml/2006/main">
   <p:cSld>
     <p:spTree>
@@ -9149,7 +9414,7 @@
           <a:p>
             <a:fld id="{9D3FF152-60F5-4862-82F9-1190556AA56F}" type="slidenum">
               <a:rPr lang="en-IN" smtClean="0"/>
-              <a:t>27</a:t>
+              <a:t>28</a:t>
             </a:fld>
             <a:endParaRPr lang="en-IN"/>
           </a:p>
@@ -9203,7 +9468,7 @@
 </p:sld>
 </file>
 
-<file path=ppt/slides/slide28.xml><?xml version="1.0" encoding="utf-8"?>
+<file path=ppt/slides/slide29.xml><?xml version="1.0" encoding="utf-8"?>
 <p:sld xmlns:a="http://schemas.openxmlformats.org/drawingml/2006/main" xmlns:r="http://schemas.openxmlformats.org/officeDocument/2006/relationships" xmlns:p="http://schemas.openxmlformats.org/presentationml/2006/main">
   <p:cSld>
     <p:spTree>
@@ -9323,7 +9588,7 @@
           <a:p>
             <a:fld id="{9D3FF152-60F5-4862-82F9-1190556AA56F}" type="slidenum">
               <a:rPr lang="en-IN" smtClean="0"/>
-              <a:t>28</a:t>
+              <a:t>29</a:t>
             </a:fld>
             <a:endParaRPr lang="en-IN"/>
           </a:p>
@@ -9368,175 +9633,6 @@
     <p:extLst>
       <p:ext uri="{BB962C8B-B14F-4D97-AF65-F5344CB8AC3E}">
         <p14:creationId xmlns:p14="http://schemas.microsoft.com/office/powerpoint/2010/main" val="2018087463"/>
-      </p:ext>
-    </p:extLst>
-  </p:cSld>
-  <p:clrMapOvr>
-    <a:masterClrMapping/>
-  </p:clrMapOvr>
-</p:sld>
-</file>
-
-<file path=ppt/slides/slide29.xml><?xml version="1.0" encoding="utf-8"?>
-<p:sld xmlns:a="http://schemas.openxmlformats.org/drawingml/2006/main" xmlns:r="http://schemas.openxmlformats.org/officeDocument/2006/relationships" xmlns:p="http://schemas.openxmlformats.org/presentationml/2006/main">
-  <p:cSld>
-    <p:spTree>
-      <p:nvGrpSpPr>
-        <p:cNvPr id="1" name=""/>
-        <p:cNvGrpSpPr/>
-        <p:nvPr/>
-      </p:nvGrpSpPr>
-      <p:grpSpPr>
-        <a:xfrm>
-          <a:off x="0" y="0"/>
-          <a:ext cx="0" cy="0"/>
-          <a:chOff x="0" y="0"/>
-          <a:chExt cx="0" cy="0"/>
-        </a:xfrm>
-      </p:grpSpPr>
-      <p:sp>
-        <p:nvSpPr>
-          <p:cNvPr id="2" name="Title 1">
-            <a:extLst>
-              <a:ext uri="{FF2B5EF4-FFF2-40B4-BE49-F238E27FC236}">
-                <a16:creationId xmlns:a16="http://schemas.microsoft.com/office/drawing/2014/main" id="{7DF34B37-93AC-042C-F5DC-D7EE49289EAE}"/>
-              </a:ext>
-            </a:extLst>
-          </p:cNvPr>
-          <p:cNvSpPr>
-            <a:spLocks noGrp="1"/>
-          </p:cNvSpPr>
-          <p:nvPr>
-            <p:ph type="title"/>
-          </p:nvPr>
-        </p:nvSpPr>
-        <p:spPr>
-          <a:xfrm>
-            <a:off x="753034" y="365126"/>
-            <a:ext cx="7762315" cy="603061"/>
-          </a:xfrm>
-        </p:spPr>
-        <p:txBody>
-          <a:bodyPr>
-            <a:noAutofit/>
-          </a:bodyPr>
-          <a:lstStyle/>
-          <a:p>
-            <a:pPr algn="ctr"/>
-            <a:r>
-              <a:rPr lang="en-US" sz="3200" b="1" dirty="0">
-                <a:solidFill>
-                  <a:srgbClr val="7030A0"/>
-                </a:solidFill>
-                <a:effectLst/>
-                <a:latin typeface="Times New Roman" panose="02020603050405020304" pitchFamily="18" charset="0"/>
-                <a:ea typeface="Calibri" panose="020F0502020204030204" pitchFamily="34" charset="0"/>
-                <a:cs typeface="Times New Roman" panose="02020603050405020304" pitchFamily="18" charset="0"/>
-              </a:rPr>
-              <a:t>Screen Shots</a:t>
-            </a:r>
-            <a:endParaRPr lang="en-IN" sz="3200" dirty="0"/>
-          </a:p>
-        </p:txBody>
-      </p:sp>
-      <p:sp>
-        <p:nvSpPr>
-          <p:cNvPr id="4" name="Date Placeholder 3">
-            <a:extLst>
-              <a:ext uri="{FF2B5EF4-FFF2-40B4-BE49-F238E27FC236}">
-                <a16:creationId xmlns:a16="http://schemas.microsoft.com/office/drawing/2014/main" id="{5A6BA222-B9AF-4B17-550D-C31029B23723}"/>
-              </a:ext>
-            </a:extLst>
-          </p:cNvPr>
-          <p:cNvSpPr>
-            <a:spLocks noGrp="1"/>
-          </p:cNvSpPr>
-          <p:nvPr>
-            <p:ph type="dt" sz="half" idx="10"/>
-          </p:nvPr>
-        </p:nvSpPr>
-        <p:spPr/>
-        <p:txBody>
-          <a:bodyPr/>
-          <a:lstStyle/>
-          <a:p>
-            <a:fld id="{88D22DAB-7094-45B8-85D5-D3661D95DC5B}" type="datetime1">
-              <a:rPr lang="en-IN" smtClean="0"/>
-              <a:t>07-04-2023</a:t>
-            </a:fld>
-            <a:endParaRPr lang="en-IN"/>
-          </a:p>
-        </p:txBody>
-      </p:sp>
-      <p:sp>
-        <p:nvSpPr>
-          <p:cNvPr id="5" name="Slide Number Placeholder 4">
-            <a:extLst>
-              <a:ext uri="{FF2B5EF4-FFF2-40B4-BE49-F238E27FC236}">
-                <a16:creationId xmlns:a16="http://schemas.microsoft.com/office/drawing/2014/main" id="{91FF5B83-C45C-A18D-12B6-F2715EFC84C3}"/>
-              </a:ext>
-            </a:extLst>
-          </p:cNvPr>
-          <p:cNvSpPr>
-            <a:spLocks noGrp="1"/>
-          </p:cNvSpPr>
-          <p:nvPr>
-            <p:ph type="sldNum" sz="quarter" idx="12"/>
-          </p:nvPr>
-        </p:nvSpPr>
-        <p:spPr/>
-        <p:txBody>
-          <a:bodyPr/>
-          <a:lstStyle/>
-          <a:p>
-            <a:fld id="{9D3FF152-60F5-4862-82F9-1190556AA56F}" type="slidenum">
-              <a:rPr lang="en-IN" smtClean="0"/>
-              <a:t>29</a:t>
-            </a:fld>
-            <a:endParaRPr lang="en-IN"/>
-          </a:p>
-        </p:txBody>
-      </p:sp>
-      <p:pic>
-        <p:nvPicPr>
-          <p:cNvPr id="7" name="Picture 6">
-            <a:extLst>
-              <a:ext uri="{FF2B5EF4-FFF2-40B4-BE49-F238E27FC236}">
-                <a16:creationId xmlns:a16="http://schemas.microsoft.com/office/drawing/2014/main" id="{C162E623-2608-9BBC-4008-01BDCD4DD82E}"/>
-              </a:ext>
-            </a:extLst>
-          </p:cNvPr>
-          <p:cNvPicPr>
-            <a:picLocks noChangeAspect="1"/>
-          </p:cNvPicPr>
-          <p:nvPr/>
-        </p:nvPicPr>
-        <p:blipFill>
-          <a:blip r:embed="rId2">
-            <a:extLst>
-              <a:ext uri="{28A0092B-C50C-407E-A947-70E740481C1C}">
-                <a14:useLocalDpi xmlns:a14="http://schemas.microsoft.com/office/drawing/2010/main" val="0"/>
-              </a:ext>
-            </a:extLst>
-          </a:blip>
-          <a:stretch>
-            <a:fillRect/>
-          </a:stretch>
-        </p:blipFill>
-        <p:spPr>
-          <a:xfrm>
-            <a:off x="492497" y="1143560"/>
-            <a:ext cx="8283388" cy="4400550"/>
-          </a:xfrm>
-          <a:prstGeom prst="rect">
-            <a:avLst/>
-          </a:prstGeom>
-        </p:spPr>
-      </p:pic>
-    </p:spTree>
-    <p:extLst>
-      <p:ext uri="{BB962C8B-B14F-4D97-AF65-F5344CB8AC3E}">
-        <p14:creationId xmlns:p14="http://schemas.microsoft.com/office/powerpoint/2010/main" val="2349831247"/>
       </p:ext>
     </p:extLst>
   </p:cSld>
@@ -10541,6 +10637,175 @@
           <p:cNvPr id="2" name="Title 1">
             <a:extLst>
               <a:ext uri="{FF2B5EF4-FFF2-40B4-BE49-F238E27FC236}">
+                <a16:creationId xmlns:a16="http://schemas.microsoft.com/office/drawing/2014/main" id="{7DF34B37-93AC-042C-F5DC-D7EE49289EAE}"/>
+              </a:ext>
+            </a:extLst>
+          </p:cNvPr>
+          <p:cNvSpPr>
+            <a:spLocks noGrp="1"/>
+          </p:cNvSpPr>
+          <p:nvPr>
+            <p:ph type="title"/>
+          </p:nvPr>
+        </p:nvSpPr>
+        <p:spPr>
+          <a:xfrm>
+            <a:off x="753034" y="365126"/>
+            <a:ext cx="7762315" cy="603061"/>
+          </a:xfrm>
+        </p:spPr>
+        <p:txBody>
+          <a:bodyPr>
+            <a:noAutofit/>
+          </a:bodyPr>
+          <a:lstStyle/>
+          <a:p>
+            <a:pPr algn="ctr"/>
+            <a:r>
+              <a:rPr lang="en-US" sz="3200" b="1" dirty="0">
+                <a:solidFill>
+                  <a:srgbClr val="7030A0"/>
+                </a:solidFill>
+                <a:effectLst/>
+                <a:latin typeface="Times New Roman" panose="02020603050405020304" pitchFamily="18" charset="0"/>
+                <a:ea typeface="Calibri" panose="020F0502020204030204" pitchFamily="34" charset="0"/>
+                <a:cs typeface="Times New Roman" panose="02020603050405020304" pitchFamily="18" charset="0"/>
+              </a:rPr>
+              <a:t>Screen Shots</a:t>
+            </a:r>
+            <a:endParaRPr lang="en-IN" sz="3200" dirty="0"/>
+          </a:p>
+        </p:txBody>
+      </p:sp>
+      <p:sp>
+        <p:nvSpPr>
+          <p:cNvPr id="4" name="Date Placeholder 3">
+            <a:extLst>
+              <a:ext uri="{FF2B5EF4-FFF2-40B4-BE49-F238E27FC236}">
+                <a16:creationId xmlns:a16="http://schemas.microsoft.com/office/drawing/2014/main" id="{5A6BA222-B9AF-4B17-550D-C31029B23723}"/>
+              </a:ext>
+            </a:extLst>
+          </p:cNvPr>
+          <p:cNvSpPr>
+            <a:spLocks noGrp="1"/>
+          </p:cNvSpPr>
+          <p:nvPr>
+            <p:ph type="dt" sz="half" idx="10"/>
+          </p:nvPr>
+        </p:nvSpPr>
+        <p:spPr/>
+        <p:txBody>
+          <a:bodyPr/>
+          <a:lstStyle/>
+          <a:p>
+            <a:fld id="{88D22DAB-7094-45B8-85D5-D3661D95DC5B}" type="datetime1">
+              <a:rPr lang="en-IN" smtClean="0"/>
+              <a:t>07-04-2023</a:t>
+            </a:fld>
+            <a:endParaRPr lang="en-IN"/>
+          </a:p>
+        </p:txBody>
+      </p:sp>
+      <p:sp>
+        <p:nvSpPr>
+          <p:cNvPr id="5" name="Slide Number Placeholder 4">
+            <a:extLst>
+              <a:ext uri="{FF2B5EF4-FFF2-40B4-BE49-F238E27FC236}">
+                <a16:creationId xmlns:a16="http://schemas.microsoft.com/office/drawing/2014/main" id="{91FF5B83-C45C-A18D-12B6-F2715EFC84C3}"/>
+              </a:ext>
+            </a:extLst>
+          </p:cNvPr>
+          <p:cNvSpPr>
+            <a:spLocks noGrp="1"/>
+          </p:cNvSpPr>
+          <p:nvPr>
+            <p:ph type="sldNum" sz="quarter" idx="12"/>
+          </p:nvPr>
+        </p:nvSpPr>
+        <p:spPr/>
+        <p:txBody>
+          <a:bodyPr/>
+          <a:lstStyle/>
+          <a:p>
+            <a:fld id="{9D3FF152-60F5-4862-82F9-1190556AA56F}" type="slidenum">
+              <a:rPr lang="en-IN" smtClean="0"/>
+              <a:t>30</a:t>
+            </a:fld>
+            <a:endParaRPr lang="en-IN"/>
+          </a:p>
+        </p:txBody>
+      </p:sp>
+      <p:pic>
+        <p:nvPicPr>
+          <p:cNvPr id="7" name="Picture 6">
+            <a:extLst>
+              <a:ext uri="{FF2B5EF4-FFF2-40B4-BE49-F238E27FC236}">
+                <a16:creationId xmlns:a16="http://schemas.microsoft.com/office/drawing/2014/main" id="{C162E623-2608-9BBC-4008-01BDCD4DD82E}"/>
+              </a:ext>
+            </a:extLst>
+          </p:cNvPr>
+          <p:cNvPicPr>
+            <a:picLocks noChangeAspect="1"/>
+          </p:cNvPicPr>
+          <p:nvPr/>
+        </p:nvPicPr>
+        <p:blipFill>
+          <a:blip r:embed="rId2">
+            <a:extLst>
+              <a:ext uri="{28A0092B-C50C-407E-A947-70E740481C1C}">
+                <a14:useLocalDpi xmlns:a14="http://schemas.microsoft.com/office/drawing/2010/main" val="0"/>
+              </a:ext>
+            </a:extLst>
+          </a:blip>
+          <a:stretch>
+            <a:fillRect/>
+          </a:stretch>
+        </p:blipFill>
+        <p:spPr>
+          <a:xfrm>
+            <a:off x="492497" y="1143560"/>
+            <a:ext cx="8283388" cy="4400550"/>
+          </a:xfrm>
+          <a:prstGeom prst="rect">
+            <a:avLst/>
+          </a:prstGeom>
+        </p:spPr>
+      </p:pic>
+    </p:spTree>
+    <p:extLst>
+      <p:ext uri="{BB962C8B-B14F-4D97-AF65-F5344CB8AC3E}">
+        <p14:creationId xmlns:p14="http://schemas.microsoft.com/office/powerpoint/2010/main" val="2349831247"/>
+      </p:ext>
+    </p:extLst>
+  </p:cSld>
+  <p:clrMapOvr>
+    <a:masterClrMapping/>
+  </p:clrMapOvr>
+</p:sld>
+</file>
+
+<file path=ppt/slides/slide31.xml><?xml version="1.0" encoding="utf-8"?>
+<p:sld xmlns:a="http://schemas.openxmlformats.org/drawingml/2006/main" xmlns:r="http://schemas.openxmlformats.org/officeDocument/2006/relationships" xmlns:p="http://schemas.openxmlformats.org/presentationml/2006/main">
+  <p:cSld>
+    <p:spTree>
+      <p:nvGrpSpPr>
+        <p:cNvPr id="1" name=""/>
+        <p:cNvGrpSpPr/>
+        <p:nvPr/>
+      </p:nvGrpSpPr>
+      <p:grpSpPr>
+        <a:xfrm>
+          <a:off x="0" y="0"/>
+          <a:ext cx="0" cy="0"/>
+          <a:chOff x="0" y="0"/>
+          <a:chExt cx="0" cy="0"/>
+        </a:xfrm>
+      </p:grpSpPr>
+      <p:sp>
+        <p:nvSpPr>
+          <p:cNvPr id="2" name="Title 1">
+            <a:extLst>
+              <a:ext uri="{FF2B5EF4-FFF2-40B4-BE49-F238E27FC236}">
                 <a16:creationId xmlns:a16="http://schemas.microsoft.com/office/drawing/2014/main" id="{7513A726-45BD-4B17-BF54-42F7352C7AE4}"/>
               </a:ext>
             </a:extLst>
@@ -10639,7 +10904,7 @@
           <a:p>
             <a:fld id="{9D3FF152-60F5-4862-82F9-1190556AA56F}" type="slidenum">
               <a:rPr lang="en-IN" smtClean="0"/>
-              <a:t>30</a:t>
+              <a:t>31</a:t>
             </a:fld>
             <a:endParaRPr lang="en-IN"/>
           </a:p>
@@ -10694,193 +10959,6 @@
 </p:sld>
 </file>
 
-<file path=ppt/slides/slide31.xml><?xml version="1.0" encoding="utf-8"?>
-<p:sld xmlns:a="http://schemas.openxmlformats.org/drawingml/2006/main" xmlns:r="http://schemas.openxmlformats.org/officeDocument/2006/relationships" xmlns:p="http://schemas.openxmlformats.org/presentationml/2006/main">
-  <p:cSld>
-    <p:spTree>
-      <p:nvGrpSpPr>
-        <p:cNvPr id="1" name=""/>
-        <p:cNvGrpSpPr/>
-        <p:nvPr/>
-      </p:nvGrpSpPr>
-      <p:grpSpPr>
-        <a:xfrm>
-          <a:off x="0" y="0"/>
-          <a:ext cx="0" cy="0"/>
-          <a:chOff x="0" y="0"/>
-          <a:chExt cx="0" cy="0"/>
-        </a:xfrm>
-      </p:grpSpPr>
-      <p:sp>
-        <p:nvSpPr>
-          <p:cNvPr id="2" name="Title 1">
-            <a:extLst>
-              <a:ext uri="{FF2B5EF4-FFF2-40B4-BE49-F238E27FC236}">
-                <a16:creationId xmlns:a16="http://schemas.microsoft.com/office/drawing/2014/main" id="{7513A726-45BD-4B17-BF54-42F7352C7AE4}"/>
-              </a:ext>
-            </a:extLst>
-          </p:cNvPr>
-          <p:cNvSpPr>
-            <a:spLocks noGrp="1"/>
-          </p:cNvSpPr>
-          <p:nvPr>
-            <p:ph type="title"/>
-          </p:nvPr>
-        </p:nvSpPr>
-        <p:spPr>
-          <a:xfrm>
-            <a:off x="628650" y="165991"/>
-            <a:ext cx="7886700" cy="530258"/>
-          </a:xfrm>
-        </p:spPr>
-        <p:txBody>
-          <a:bodyPr>
-            <a:noAutofit/>
-          </a:bodyPr>
-          <a:lstStyle/>
-          <a:p>
-            <a:pPr algn="ctr"/>
-            <a:r>
-              <a:rPr lang="en-US" sz="3200" b="1" dirty="0">
-                <a:solidFill>
-                  <a:srgbClr val="7030A0"/>
-                </a:solidFill>
-                <a:effectLst/>
-                <a:latin typeface="Times New Roman" panose="02020603050405020304" pitchFamily="18" charset="0"/>
-                <a:ea typeface="Calibri" panose="020F0502020204030204" pitchFamily="34" charset="0"/>
-                <a:cs typeface="Times New Roman" panose="02020603050405020304" pitchFamily="18" charset="0"/>
-              </a:rPr>
-              <a:t>Conclusion</a:t>
-            </a:r>
-            <a:endParaRPr lang="en-IN" sz="19900" b="1" dirty="0">
-              <a:solidFill>
-                <a:srgbClr val="7030A0"/>
-              </a:solidFill>
-              <a:latin typeface="Times New Roman" panose="02020603050405020304" pitchFamily="18" charset="0"/>
-              <a:cs typeface="Times New Roman" panose="02020603050405020304" pitchFamily="18" charset="0"/>
-            </a:endParaRPr>
-          </a:p>
-        </p:txBody>
-      </p:sp>
-      <p:sp>
-        <p:nvSpPr>
-          <p:cNvPr id="3" name="Date Placeholder 2">
-            <a:extLst>
-              <a:ext uri="{FF2B5EF4-FFF2-40B4-BE49-F238E27FC236}">
-                <a16:creationId xmlns:a16="http://schemas.microsoft.com/office/drawing/2014/main" id="{7DFE683E-AC90-C1AF-8D07-537D4AF5506B}"/>
-              </a:ext>
-            </a:extLst>
-          </p:cNvPr>
-          <p:cNvSpPr>
-            <a:spLocks noGrp="1"/>
-          </p:cNvSpPr>
-          <p:nvPr>
-            <p:ph type="dt" sz="half" idx="10"/>
-          </p:nvPr>
-        </p:nvSpPr>
-        <p:spPr/>
-        <p:txBody>
-          <a:bodyPr/>
-          <a:lstStyle/>
-          <a:p>
-            <a:fld id="{81F865BB-D69F-48AF-829D-597573FD9C58}" type="datetime1">
-              <a:rPr lang="en-IN" smtClean="0"/>
-              <a:t>07-04-2023</a:t>
-            </a:fld>
-            <a:endParaRPr lang="en-IN"/>
-          </a:p>
-        </p:txBody>
-      </p:sp>
-      <p:sp>
-        <p:nvSpPr>
-          <p:cNvPr id="5" name="Slide Number Placeholder 4">
-            <a:extLst>
-              <a:ext uri="{FF2B5EF4-FFF2-40B4-BE49-F238E27FC236}">
-                <a16:creationId xmlns:a16="http://schemas.microsoft.com/office/drawing/2014/main" id="{F5220BD1-1A25-E8B3-BE29-F8796FD4F8FA}"/>
-              </a:ext>
-            </a:extLst>
-          </p:cNvPr>
-          <p:cNvSpPr>
-            <a:spLocks noGrp="1"/>
-          </p:cNvSpPr>
-          <p:nvPr>
-            <p:ph type="sldNum" sz="quarter" idx="12"/>
-          </p:nvPr>
-        </p:nvSpPr>
-        <p:spPr/>
-        <p:txBody>
-          <a:bodyPr/>
-          <a:lstStyle/>
-          <a:p>
-            <a:fld id="{9D3FF152-60F5-4862-82F9-1190556AA56F}" type="slidenum">
-              <a:rPr lang="en-IN" smtClean="0"/>
-              <a:t>31</a:t>
-            </a:fld>
-            <a:endParaRPr lang="en-IN"/>
-          </a:p>
-        </p:txBody>
-      </p:sp>
-      <p:sp>
-        <p:nvSpPr>
-          <p:cNvPr id="4" name="TextBox 3">
-            <a:extLst>
-              <a:ext uri="{FF2B5EF4-FFF2-40B4-BE49-F238E27FC236}">
-                <a16:creationId xmlns:a16="http://schemas.microsoft.com/office/drawing/2014/main" id="{1E6D4618-16D0-9047-BB01-D8646EE8E975}"/>
-              </a:ext>
-            </a:extLst>
-          </p:cNvPr>
-          <p:cNvSpPr txBox="1"/>
-          <p:nvPr/>
-        </p:nvSpPr>
-        <p:spPr>
-          <a:xfrm>
-            <a:off x="242047" y="1013012"/>
-            <a:ext cx="8552329" cy="4524315"/>
-          </a:xfrm>
-          <a:prstGeom prst="rect">
-            <a:avLst/>
-          </a:prstGeom>
-          <a:noFill/>
-        </p:spPr>
-        <p:txBody>
-          <a:bodyPr wrap="square" rtlCol="0">
-            <a:spAutoFit/>
-          </a:bodyPr>
-          <a:lstStyle/>
-          <a:p>
-            <a:pPr>
-              <a:lnSpc>
-                <a:spcPct val="150000"/>
-              </a:lnSpc>
-            </a:pPr>
-            <a:r>
-              <a:rPr lang="en-IN" sz="2000" dirty="0">
-                <a:effectLst/>
-                <a:latin typeface="Times New Roman" panose="02020603050405020304" pitchFamily="18" charset="0"/>
-                <a:ea typeface="Calibri" panose="020F0502020204030204" pitchFamily="34" charset="0"/>
-                <a:cs typeface="Times New Roman" panose="02020603050405020304" pitchFamily="18" charset="0"/>
-              </a:rPr>
-              <a:t>In the modern world, there has been an immense usage of vehicles. And especially car has been used by majority of the people in the recent days. This has been the major and main cause for the emission of CO2 in the atmosphere which increases the global warming. In order to reduce the emission rate for the car that is used or the car that the user is going to buy, predicts the amount of CO2 emitted in the form of rates. As we have used the one of the best algorithms among the machine learning algorithms, Random Forest algorithm has given the best accuracy rate and the user interface has also been implemented for the better understanding about the model.    </a:t>
-            </a:r>
-          </a:p>
-          <a:p>
-            <a:endParaRPr lang="en-IN" dirty="0"/>
-          </a:p>
-        </p:txBody>
-      </p:sp>
-    </p:spTree>
-    <p:extLst>
-      <p:ext uri="{BB962C8B-B14F-4D97-AF65-F5344CB8AC3E}">
-        <p14:creationId xmlns:p14="http://schemas.microsoft.com/office/powerpoint/2010/main" val="741939518"/>
-      </p:ext>
-    </p:extLst>
-  </p:cSld>
-  <p:clrMapOvr>
-    <a:masterClrMapping/>
-  </p:clrMapOvr>
-</p:sld>
-</file>
-
 <file path=ppt/slides/slide32.xml><?xml version="1.0" encoding="utf-8"?>
 <p:sld xmlns:a="http://schemas.openxmlformats.org/drawingml/2006/main" xmlns:r="http://schemas.openxmlformats.org/officeDocument/2006/relationships" xmlns:p="http://schemas.openxmlformats.org/presentationml/2006/main">
   <p:cSld>
@@ -10932,12 +11010,14 @@
                 <a:solidFill>
                   <a:srgbClr val="7030A0"/>
                 </a:solidFill>
+                <a:effectLst/>
                 <a:latin typeface="Times New Roman" panose="02020603050405020304" pitchFamily="18" charset="0"/>
+                <a:ea typeface="Calibri" panose="020F0502020204030204" pitchFamily="34" charset="0"/>
                 <a:cs typeface="Times New Roman" panose="02020603050405020304" pitchFamily="18" charset="0"/>
               </a:rPr>
-              <a:t>Reference Paper</a:t>
-            </a:r>
-            <a:endParaRPr lang="en-IN" sz="3200" b="1" dirty="0">
+              <a:t>Conclusion</a:t>
+            </a:r>
+            <a:endParaRPr lang="en-IN" sz="19900" b="1" dirty="0">
               <a:solidFill>
                 <a:srgbClr val="7030A0"/>
               </a:solidFill>
@@ -10949,10 +11029,10 @@
       </p:sp>
       <p:sp>
         <p:nvSpPr>
-          <p:cNvPr id="5" name="Date Placeholder 4">
+          <p:cNvPr id="3" name="Date Placeholder 2">
             <a:extLst>
               <a:ext uri="{FF2B5EF4-FFF2-40B4-BE49-F238E27FC236}">
-                <a16:creationId xmlns:a16="http://schemas.microsoft.com/office/drawing/2014/main" id="{3E5EA7E0-721F-6954-4BF0-896788EE53AE}"/>
+                <a16:creationId xmlns:a16="http://schemas.microsoft.com/office/drawing/2014/main" id="{7DFE683E-AC90-C1AF-8D07-537D4AF5506B}"/>
               </a:ext>
             </a:extLst>
           </p:cNvPr>
@@ -10968,7 +11048,7 @@
           <a:bodyPr/>
           <a:lstStyle/>
           <a:p>
-            <a:fld id="{6FB2D540-A2B5-48C3-A171-B58E7CA907A4}" type="datetime1">
+            <a:fld id="{81F865BB-D69F-48AF-829D-597573FD9C58}" type="datetime1">
               <a:rPr lang="en-IN" smtClean="0"/>
               <a:t>07-04-2023</a:t>
             </a:fld>
@@ -10978,10 +11058,10 @@
       </p:sp>
       <p:sp>
         <p:nvSpPr>
-          <p:cNvPr id="6" name="Slide Number Placeholder 5">
+          <p:cNvPr id="5" name="Slide Number Placeholder 4">
             <a:extLst>
               <a:ext uri="{FF2B5EF4-FFF2-40B4-BE49-F238E27FC236}">
-                <a16:creationId xmlns:a16="http://schemas.microsoft.com/office/drawing/2014/main" id="{43E9B934-EE6A-1A45-AAAE-017246AA72E8}"/>
+                <a16:creationId xmlns:a16="http://schemas.microsoft.com/office/drawing/2014/main" id="{F5220BD1-1A25-E8B3-BE29-F8796FD4F8FA}"/>
               </a:ext>
             </a:extLst>
           </p:cNvPr>
@@ -11010,7 +11090,7 @@
           <p:cNvPr id="4" name="TextBox 3">
             <a:extLst>
               <a:ext uri="{FF2B5EF4-FFF2-40B4-BE49-F238E27FC236}">
-                <a16:creationId xmlns:a16="http://schemas.microsoft.com/office/drawing/2014/main" id="{E074B839-534D-EA4E-9E2D-2720108FD130}"/>
+                <a16:creationId xmlns:a16="http://schemas.microsoft.com/office/drawing/2014/main" id="{1E6D4618-16D0-9047-BB01-D8646EE8E975}"/>
               </a:ext>
             </a:extLst>
           </p:cNvPr>
@@ -11019,8 +11099,8 @@
         </p:nvSpPr>
         <p:spPr>
           <a:xfrm>
-            <a:off x="493059" y="1039906"/>
-            <a:ext cx="8211670" cy="5327741"/>
+            <a:off x="242047" y="1013012"/>
+            <a:ext cx="8552329" cy="4524315"/>
           </a:xfrm>
           <a:prstGeom prst="rect">
             <a:avLst/>
@@ -11033,321 +11113,20 @@
           </a:bodyPr>
           <a:lstStyle/>
           <a:p>
-            <a:pPr algn="just">
+            <a:pPr>
               <a:lnSpc>
-                <a:spcPct val="107000"/>
+                <a:spcPct val="150000"/>
               </a:lnSpc>
-              <a:spcAft>
-                <a:spcPts val="800"/>
-              </a:spcAft>
             </a:pPr>
             <a:r>
-              <a:rPr lang="en-IN" sz="1800" i="1" dirty="0">
-                <a:solidFill>
-                  <a:srgbClr val="333333"/>
-                </a:solidFill>
-                <a:effectLst/>
-                <a:latin typeface="Calibri" panose="020F0502020204030204" pitchFamily="34" charset="0"/>
-                <a:ea typeface="Calibri" panose="020F0502020204030204" pitchFamily="34" charset="0"/>
-                <a:cs typeface="Times New Roman" panose="02020603050405020304" pitchFamily="18" charset="0"/>
-              </a:rPr>
-              <a:t>[1] </a:t>
-            </a:r>
-            <a:r>
-              <a:rPr lang="en-IN" sz="1800" dirty="0">
+              <a:rPr lang="en-IN" sz="2000" dirty="0">
                 <a:effectLst/>
                 <a:latin typeface="Times New Roman" panose="02020603050405020304" pitchFamily="18" charset="0"/>
                 <a:ea typeface="Calibri" panose="020F0502020204030204" pitchFamily="34" charset="0"/>
                 <a:cs typeface="Times New Roman" panose="02020603050405020304" pitchFamily="18" charset="0"/>
               </a:rPr>
-              <a:t>Sandeep Kumar, Pranab K. </a:t>
-            </a:r>
-            <a:r>
-              <a:rPr lang="en-IN" sz="1800" dirty="0" err="1">
-                <a:effectLst/>
-                <a:latin typeface="Times New Roman" panose="02020603050405020304" pitchFamily="18" charset="0"/>
-                <a:ea typeface="Calibri" panose="020F0502020204030204" pitchFamily="34" charset="0"/>
-                <a:cs typeface="Times New Roman" panose="02020603050405020304" pitchFamily="18" charset="0"/>
-              </a:rPr>
-              <a:t>Muhuri</a:t>
-            </a:r>
-            <a:r>
-              <a:rPr lang="en-IN" sz="1800" dirty="0">
-                <a:effectLst/>
-                <a:latin typeface="Times New Roman" panose="02020603050405020304" pitchFamily="18" charset="0"/>
-                <a:ea typeface="Calibri" panose="020F0502020204030204" pitchFamily="34" charset="0"/>
-                <a:cs typeface="Times New Roman" panose="02020603050405020304" pitchFamily="18" charset="0"/>
-              </a:rPr>
-              <a:t>: “A novel GDP prediction technique based on transfer learning using CO2 emission dataset” " Applied Energy 253 (2019)</a:t>
-            </a:r>
-            <a:endParaRPr lang="en-IN" sz="1800" dirty="0">
-              <a:effectLst/>
-              <a:latin typeface="Calibri" panose="020F0502020204030204" pitchFamily="34" charset="0"/>
-              <a:ea typeface="Calibri" panose="020F0502020204030204" pitchFamily="34" charset="0"/>
-              <a:cs typeface="Times New Roman" panose="02020603050405020304" pitchFamily="18" charset="0"/>
-            </a:endParaRPr>
-          </a:p>
-          <a:p>
-            <a:pPr algn="just">
-              <a:lnSpc>
-                <a:spcPct val="107000"/>
-              </a:lnSpc>
-              <a:spcAft>
-                <a:spcPts val="800"/>
-              </a:spcAft>
-            </a:pPr>
-            <a:r>
-              <a:rPr lang="en-IN" sz="1800" dirty="0">
-                <a:effectLst/>
-                <a:latin typeface="Times New Roman" panose="02020603050405020304" pitchFamily="18" charset="0"/>
-                <a:ea typeface="Calibri" panose="020F0502020204030204" pitchFamily="34" charset="0"/>
-                <a:cs typeface="Times New Roman" panose="02020603050405020304" pitchFamily="18" charset="0"/>
-              </a:rPr>
-              <a:t>[2] Tao Jia , </a:t>
-            </a:r>
-            <a:r>
-              <a:rPr lang="en-IN" sz="1800" dirty="0" err="1">
-                <a:effectLst/>
-                <a:latin typeface="Times New Roman" panose="02020603050405020304" pitchFamily="18" charset="0"/>
-                <a:ea typeface="Calibri" panose="020F0502020204030204" pitchFamily="34" charset="0"/>
-                <a:cs typeface="Times New Roman" panose="02020603050405020304" pitchFamily="18" charset="0"/>
-              </a:rPr>
-              <a:t>Pengcheng</a:t>
-            </a:r>
-            <a:r>
-              <a:rPr lang="en-IN" sz="1800" dirty="0">
-                <a:effectLst/>
-                <a:latin typeface="Times New Roman" panose="02020603050405020304" pitchFamily="18" charset="0"/>
-                <a:ea typeface="Calibri" panose="020F0502020204030204" pitchFamily="34" charset="0"/>
-                <a:cs typeface="Times New Roman" panose="02020603050405020304" pitchFamily="18" charset="0"/>
-              </a:rPr>
-              <a:t> Zhang, and </a:t>
-            </a:r>
-            <a:r>
-              <a:rPr lang="en-IN" sz="1800" dirty="0" err="1">
-                <a:effectLst/>
-                <a:latin typeface="Times New Roman" panose="02020603050405020304" pitchFamily="18" charset="0"/>
-                <a:ea typeface="Calibri" panose="020F0502020204030204" pitchFamily="34" charset="0"/>
-                <a:cs typeface="Times New Roman" panose="02020603050405020304" pitchFamily="18" charset="0"/>
-              </a:rPr>
-              <a:t>Biyu</a:t>
-            </a:r>
-            <a:r>
-              <a:rPr lang="en-IN" sz="1800" dirty="0">
-                <a:effectLst/>
-                <a:latin typeface="Times New Roman" panose="02020603050405020304" pitchFamily="18" charset="0"/>
-                <a:ea typeface="Calibri" panose="020F0502020204030204" pitchFamily="34" charset="0"/>
-                <a:cs typeface="Times New Roman" panose="02020603050405020304" pitchFamily="18" charset="0"/>
-              </a:rPr>
-              <a:t> Chen “A Microscopic Model of Vehicle CO2 Emissions Based on Deep Learning—A Spatiotemporal Analysis of Taxicabs in Wuhan, China” IEEE TRANSACTIONS ON INTELLIGENT TRANSPORTATION SYSTEMS,2022.</a:t>
-            </a:r>
-            <a:endParaRPr lang="en-IN" sz="1800" dirty="0">
-              <a:effectLst/>
-              <a:latin typeface="Calibri" panose="020F0502020204030204" pitchFamily="34" charset="0"/>
-              <a:ea typeface="Calibri" panose="020F0502020204030204" pitchFamily="34" charset="0"/>
-              <a:cs typeface="Times New Roman" panose="02020603050405020304" pitchFamily="18" charset="0"/>
-            </a:endParaRPr>
-          </a:p>
-          <a:p>
-            <a:pPr algn="just">
-              <a:lnSpc>
-                <a:spcPct val="107000"/>
-              </a:lnSpc>
-              <a:spcAft>
-                <a:spcPts val="800"/>
-              </a:spcAft>
-            </a:pPr>
-            <a:r>
-              <a:rPr lang="en-IN" sz="1800" dirty="0">
-                <a:effectLst/>
-                <a:latin typeface="Times New Roman" panose="02020603050405020304" pitchFamily="18" charset="0"/>
-                <a:ea typeface="Calibri" panose="020F0502020204030204" pitchFamily="34" charset="0"/>
-                <a:cs typeface="Times New Roman" panose="02020603050405020304" pitchFamily="18" charset="0"/>
-              </a:rPr>
-              <a:t>[3] Ngo Le Huy Hien and Ah-Lian Kor “Analysis and Prediction Model of Fuel Consumption and Carbon Dioxide Emissions of Light-Duty Vehicles” Appl. Sci. 2022, 12, 803.</a:t>
-            </a:r>
-            <a:endParaRPr lang="en-IN" sz="1800" dirty="0">
-              <a:effectLst/>
-              <a:latin typeface="Calibri" panose="020F0502020204030204" pitchFamily="34" charset="0"/>
-              <a:ea typeface="Calibri" panose="020F0502020204030204" pitchFamily="34" charset="0"/>
-              <a:cs typeface="Times New Roman" panose="02020603050405020304" pitchFamily="18" charset="0"/>
-            </a:endParaRPr>
-          </a:p>
-          <a:p>
-            <a:pPr algn="just">
-              <a:lnSpc>
-                <a:spcPct val="107000"/>
-              </a:lnSpc>
-              <a:spcAft>
-                <a:spcPts val="800"/>
-              </a:spcAft>
-            </a:pPr>
-            <a:r>
-              <a:rPr lang="en-IN" sz="1800" dirty="0">
-                <a:effectLst/>
-                <a:latin typeface="Times New Roman" panose="02020603050405020304" pitchFamily="18" charset="0"/>
-                <a:ea typeface="Calibri" panose="020F0502020204030204" pitchFamily="34" charset="0"/>
-                <a:cs typeface="Times New Roman" panose="02020603050405020304" pitchFamily="18" charset="0"/>
-              </a:rPr>
-              <a:t>[4] </a:t>
-            </a:r>
-            <a:r>
-              <a:rPr lang="en-IN" sz="1800" dirty="0" err="1">
-                <a:effectLst/>
-                <a:latin typeface="Times New Roman" panose="02020603050405020304" pitchFamily="18" charset="0"/>
-                <a:ea typeface="Calibri" panose="020F0502020204030204" pitchFamily="34" charset="0"/>
-                <a:cs typeface="Times New Roman" panose="02020603050405020304" pitchFamily="18" charset="0"/>
-              </a:rPr>
-              <a:t>Huafang</a:t>
-            </a:r>
-            <a:r>
-              <a:rPr lang="en-IN" sz="1800" dirty="0">
-                <a:effectLst/>
-                <a:latin typeface="Times New Roman" panose="02020603050405020304" pitchFamily="18" charset="0"/>
-                <a:ea typeface="Calibri" panose="020F0502020204030204" pitchFamily="34" charset="0"/>
-                <a:cs typeface="Times New Roman" panose="02020603050405020304" pitchFamily="18" charset="0"/>
-              </a:rPr>
-              <a:t> Huang, </a:t>
-            </a:r>
-            <a:r>
-              <a:rPr lang="en-IN" sz="1800" dirty="0" err="1">
-                <a:effectLst/>
-                <a:latin typeface="Times New Roman" panose="02020603050405020304" pitchFamily="18" charset="0"/>
-                <a:ea typeface="Calibri" panose="020F0502020204030204" pitchFamily="34" charset="0"/>
-                <a:cs typeface="Times New Roman" panose="02020603050405020304" pitchFamily="18" charset="0"/>
-              </a:rPr>
-              <a:t>Xiaomao</a:t>
-            </a:r>
-            <a:r>
-              <a:rPr lang="en-IN" sz="1800" dirty="0">
-                <a:effectLst/>
-                <a:latin typeface="Times New Roman" panose="02020603050405020304" pitchFamily="18" charset="0"/>
-                <a:ea typeface="Calibri" panose="020F0502020204030204" pitchFamily="34" charset="0"/>
-                <a:cs typeface="Times New Roman" panose="02020603050405020304" pitchFamily="18" charset="0"/>
-              </a:rPr>
-              <a:t> Wu and </a:t>
-            </a:r>
-            <a:r>
-              <a:rPr lang="en-IN" sz="1800" dirty="0" err="1">
-                <a:effectLst/>
-                <a:latin typeface="Times New Roman" panose="02020603050405020304" pitchFamily="18" charset="0"/>
-                <a:ea typeface="Calibri" panose="020F0502020204030204" pitchFamily="34" charset="0"/>
-                <a:cs typeface="Times New Roman" panose="02020603050405020304" pitchFamily="18" charset="0"/>
-              </a:rPr>
-              <a:t>Xianfu</a:t>
-            </a:r>
-            <a:r>
-              <a:rPr lang="en-IN" sz="1800" dirty="0">
-                <a:effectLst/>
-                <a:latin typeface="Times New Roman" panose="02020603050405020304" pitchFamily="18" charset="0"/>
-                <a:ea typeface="Calibri" panose="020F0502020204030204" pitchFamily="34" charset="0"/>
-                <a:cs typeface="Times New Roman" panose="02020603050405020304" pitchFamily="18" charset="0"/>
-              </a:rPr>
-              <a:t> Cheng “The Prediction of Carbon Emission Information in Yangtze River Economic Zone by Deep Learning” Land 2021, 10, 1380.</a:t>
-            </a:r>
-            <a:endParaRPr lang="en-IN" sz="1800" dirty="0">
-              <a:effectLst/>
-              <a:latin typeface="Calibri" panose="020F0502020204030204" pitchFamily="34" charset="0"/>
-              <a:ea typeface="Calibri" panose="020F0502020204030204" pitchFamily="34" charset="0"/>
-              <a:cs typeface="Times New Roman" panose="02020603050405020304" pitchFamily="18" charset="0"/>
-            </a:endParaRPr>
-          </a:p>
-          <a:p>
-            <a:pPr algn="just">
-              <a:lnSpc>
-                <a:spcPct val="107000"/>
-              </a:lnSpc>
-              <a:spcAft>
-                <a:spcPts val="800"/>
-              </a:spcAft>
-            </a:pPr>
-            <a:r>
-              <a:rPr lang="en-IN" sz="1800" dirty="0">
-                <a:effectLst/>
-                <a:latin typeface="Times New Roman" panose="02020603050405020304" pitchFamily="18" charset="0"/>
-                <a:ea typeface="Calibri" panose="020F0502020204030204" pitchFamily="34" charset="0"/>
-                <a:cs typeface="Times New Roman" panose="02020603050405020304" pitchFamily="18" charset="0"/>
-              </a:rPr>
-              <a:t>[5] </a:t>
-            </a:r>
-            <a:r>
-              <a:rPr lang="en-IN" sz="1800" dirty="0" err="1">
-                <a:effectLst/>
-                <a:latin typeface="Times New Roman" panose="02020603050405020304" pitchFamily="18" charset="0"/>
-                <a:ea typeface="Calibri" panose="020F0502020204030204" pitchFamily="34" charset="0"/>
-                <a:cs typeface="Times New Roman" panose="02020603050405020304" pitchFamily="18" charset="0"/>
-              </a:rPr>
-              <a:t>Chairul</a:t>
-            </a:r>
-            <a:r>
-              <a:rPr lang="en-IN" sz="1800" dirty="0">
-                <a:effectLst/>
-                <a:latin typeface="Times New Roman" panose="02020603050405020304" pitchFamily="18" charset="0"/>
-                <a:ea typeface="Calibri" panose="020F0502020204030204" pitchFamily="34" charset="0"/>
-                <a:cs typeface="Times New Roman" panose="02020603050405020304" pitchFamily="18" charset="0"/>
-              </a:rPr>
-              <a:t> Saleh, Nur </a:t>
-            </a:r>
-            <a:r>
-              <a:rPr lang="en-IN" sz="1800" dirty="0" err="1">
-                <a:effectLst/>
-                <a:latin typeface="Times New Roman" panose="02020603050405020304" pitchFamily="18" charset="0"/>
-                <a:ea typeface="Calibri" panose="020F0502020204030204" pitchFamily="34" charset="0"/>
-                <a:cs typeface="Times New Roman" panose="02020603050405020304" pitchFamily="18" charset="0"/>
-              </a:rPr>
-              <a:t>Rachman</a:t>
-            </a:r>
-            <a:r>
-              <a:rPr lang="en-IN" sz="1800" dirty="0">
-                <a:effectLst/>
-                <a:latin typeface="Times New Roman" panose="02020603050405020304" pitchFamily="18" charset="0"/>
-                <a:ea typeface="Calibri" panose="020F0502020204030204" pitchFamily="34" charset="0"/>
-                <a:cs typeface="Times New Roman" panose="02020603050405020304" pitchFamily="18" charset="0"/>
-              </a:rPr>
-              <a:t> </a:t>
-            </a:r>
-            <a:r>
-              <a:rPr lang="en-IN" sz="1800" dirty="0" err="1">
-                <a:effectLst/>
-                <a:latin typeface="Times New Roman" panose="02020603050405020304" pitchFamily="18" charset="0"/>
-                <a:ea typeface="Calibri" panose="020F0502020204030204" pitchFamily="34" charset="0"/>
-                <a:cs typeface="Times New Roman" panose="02020603050405020304" pitchFamily="18" charset="0"/>
-              </a:rPr>
-              <a:t>Dzakiyullah</a:t>
-            </a:r>
-            <a:r>
-              <a:rPr lang="en-IN" sz="1800" dirty="0">
-                <a:effectLst/>
-                <a:latin typeface="Times New Roman" panose="02020603050405020304" pitchFamily="18" charset="0"/>
-                <a:ea typeface="Calibri" panose="020F0502020204030204" pitchFamily="34" charset="0"/>
-                <a:cs typeface="Times New Roman" panose="02020603050405020304" pitchFamily="18" charset="0"/>
-              </a:rPr>
-              <a:t> , Jonathan </a:t>
-            </a:r>
-            <a:r>
-              <a:rPr lang="en-IN" sz="1800" dirty="0" err="1">
-                <a:effectLst/>
-                <a:latin typeface="Times New Roman" panose="02020603050405020304" pitchFamily="18" charset="0"/>
-                <a:ea typeface="Calibri" panose="020F0502020204030204" pitchFamily="34" charset="0"/>
-                <a:cs typeface="Times New Roman" panose="02020603050405020304" pitchFamily="18" charset="0"/>
-              </a:rPr>
-              <a:t>Bayu</a:t>
-            </a:r>
-            <a:r>
-              <a:rPr lang="en-IN" sz="1800" dirty="0">
-                <a:effectLst/>
-                <a:latin typeface="Times New Roman" panose="02020603050405020304" pitchFamily="18" charset="0"/>
-                <a:ea typeface="Calibri" panose="020F0502020204030204" pitchFamily="34" charset="0"/>
-                <a:cs typeface="Times New Roman" panose="02020603050405020304" pitchFamily="18" charset="0"/>
-              </a:rPr>
-              <a:t> Nugroho “Carbon dioxide emission prediction using support vector machine” IOP Conf. Series: Materials Science and Engineering 2015.</a:t>
-            </a:r>
-            <a:endParaRPr lang="en-IN" sz="1800" dirty="0">
-              <a:effectLst/>
-              <a:latin typeface="Calibri" panose="020F0502020204030204" pitchFamily="34" charset="0"/>
-              <a:ea typeface="Calibri" panose="020F0502020204030204" pitchFamily="34" charset="0"/>
-              <a:cs typeface="Times New Roman" panose="02020603050405020304" pitchFamily="18" charset="0"/>
-            </a:endParaRPr>
+              <a:t>In the modern world, there has been an immense usage of vehicles. And especially car has been used by majority of the people in the recent days. This has been the major and main cause for the emission of CO2 in the atmosphere which increases the global warming. In order to reduce the emission rate for the car that is used or the car that the user is going to buy, predicts the amount of CO2 emitted in the form of rates. As we have used the one of the best algorithms among the machine learning algorithms, Random Forest algorithm has given the best accuracy rate and the user interface has also been implemented for the better understanding about the model.    </a:t>
+            </a:r>
           </a:p>
           <a:p>
             <a:endParaRPr lang="en-IN" dirty="0"/>
@@ -11357,7 +11136,7 @@
     </p:spTree>
     <p:extLst>
       <p:ext uri="{BB962C8B-B14F-4D97-AF65-F5344CB8AC3E}">
-        <p14:creationId xmlns:p14="http://schemas.microsoft.com/office/powerpoint/2010/main" val="3554452845"/>
+        <p14:creationId xmlns:p14="http://schemas.microsoft.com/office/powerpoint/2010/main" val="741939518"/>
       </p:ext>
     </p:extLst>
   </p:cSld>
@@ -11414,6 +11193,492 @@
           <a:p>
             <a:pPr algn="ctr"/>
             <a:r>
+              <a:rPr lang="en-US" sz="3200" b="1" dirty="0">
+                <a:solidFill>
+                  <a:srgbClr val="7030A0"/>
+                </a:solidFill>
+                <a:latin typeface="Times New Roman" panose="02020603050405020304" pitchFamily="18" charset="0"/>
+                <a:cs typeface="Times New Roman" panose="02020603050405020304" pitchFamily="18" charset="0"/>
+              </a:rPr>
+              <a:t>Reference Paper</a:t>
+            </a:r>
+            <a:endParaRPr lang="en-IN" sz="3200" b="1" dirty="0">
+              <a:solidFill>
+                <a:srgbClr val="7030A0"/>
+              </a:solidFill>
+              <a:latin typeface="Times New Roman" panose="02020603050405020304" pitchFamily="18" charset="0"/>
+              <a:cs typeface="Times New Roman" panose="02020603050405020304" pitchFamily="18" charset="0"/>
+            </a:endParaRPr>
+          </a:p>
+        </p:txBody>
+      </p:sp>
+      <p:sp>
+        <p:nvSpPr>
+          <p:cNvPr id="5" name="Date Placeholder 4">
+            <a:extLst>
+              <a:ext uri="{FF2B5EF4-FFF2-40B4-BE49-F238E27FC236}">
+                <a16:creationId xmlns:a16="http://schemas.microsoft.com/office/drawing/2014/main" id="{3E5EA7E0-721F-6954-4BF0-896788EE53AE}"/>
+              </a:ext>
+            </a:extLst>
+          </p:cNvPr>
+          <p:cNvSpPr>
+            <a:spLocks noGrp="1"/>
+          </p:cNvSpPr>
+          <p:nvPr>
+            <p:ph type="dt" sz="half" idx="10"/>
+          </p:nvPr>
+        </p:nvSpPr>
+        <p:spPr/>
+        <p:txBody>
+          <a:bodyPr/>
+          <a:lstStyle/>
+          <a:p>
+            <a:fld id="{6FB2D540-A2B5-48C3-A171-B58E7CA907A4}" type="datetime1">
+              <a:rPr lang="en-IN" smtClean="0"/>
+              <a:t>07-04-2023</a:t>
+            </a:fld>
+            <a:endParaRPr lang="en-IN"/>
+          </a:p>
+        </p:txBody>
+      </p:sp>
+      <p:sp>
+        <p:nvSpPr>
+          <p:cNvPr id="6" name="Slide Number Placeholder 5">
+            <a:extLst>
+              <a:ext uri="{FF2B5EF4-FFF2-40B4-BE49-F238E27FC236}">
+                <a16:creationId xmlns:a16="http://schemas.microsoft.com/office/drawing/2014/main" id="{43E9B934-EE6A-1A45-AAAE-017246AA72E8}"/>
+              </a:ext>
+            </a:extLst>
+          </p:cNvPr>
+          <p:cNvSpPr>
+            <a:spLocks noGrp="1"/>
+          </p:cNvSpPr>
+          <p:nvPr>
+            <p:ph type="sldNum" sz="quarter" idx="12"/>
+          </p:nvPr>
+        </p:nvSpPr>
+        <p:spPr/>
+        <p:txBody>
+          <a:bodyPr/>
+          <a:lstStyle/>
+          <a:p>
+            <a:fld id="{9D3FF152-60F5-4862-82F9-1190556AA56F}" type="slidenum">
+              <a:rPr lang="en-IN" smtClean="0"/>
+              <a:t>33</a:t>
+            </a:fld>
+            <a:endParaRPr lang="en-IN"/>
+          </a:p>
+        </p:txBody>
+      </p:sp>
+      <p:sp>
+        <p:nvSpPr>
+          <p:cNvPr id="4" name="TextBox 3">
+            <a:extLst>
+              <a:ext uri="{FF2B5EF4-FFF2-40B4-BE49-F238E27FC236}">
+                <a16:creationId xmlns:a16="http://schemas.microsoft.com/office/drawing/2014/main" id="{E074B839-534D-EA4E-9E2D-2720108FD130}"/>
+              </a:ext>
+            </a:extLst>
+          </p:cNvPr>
+          <p:cNvSpPr txBox="1"/>
+          <p:nvPr/>
+        </p:nvSpPr>
+        <p:spPr>
+          <a:xfrm>
+            <a:off x="493059" y="1039906"/>
+            <a:ext cx="8211670" cy="5327741"/>
+          </a:xfrm>
+          <a:prstGeom prst="rect">
+            <a:avLst/>
+          </a:prstGeom>
+          <a:noFill/>
+        </p:spPr>
+        <p:txBody>
+          <a:bodyPr wrap="square" rtlCol="0">
+            <a:spAutoFit/>
+          </a:bodyPr>
+          <a:lstStyle/>
+          <a:p>
+            <a:pPr algn="just">
+              <a:lnSpc>
+                <a:spcPct val="107000"/>
+              </a:lnSpc>
+              <a:spcAft>
+                <a:spcPts val="800"/>
+              </a:spcAft>
+            </a:pPr>
+            <a:r>
+              <a:rPr lang="en-IN" sz="1800" i="1" dirty="0">
+                <a:solidFill>
+                  <a:srgbClr val="333333"/>
+                </a:solidFill>
+                <a:effectLst/>
+                <a:latin typeface="Calibri" panose="020F0502020204030204" pitchFamily="34" charset="0"/>
+                <a:ea typeface="Calibri" panose="020F0502020204030204" pitchFamily="34" charset="0"/>
+                <a:cs typeface="Times New Roman" panose="02020603050405020304" pitchFamily="18" charset="0"/>
+              </a:rPr>
+              <a:t>[1] </a:t>
+            </a:r>
+            <a:r>
+              <a:rPr lang="en-IN" sz="1800" dirty="0">
+                <a:effectLst/>
+                <a:latin typeface="Times New Roman" panose="02020603050405020304" pitchFamily="18" charset="0"/>
+                <a:ea typeface="Calibri" panose="020F0502020204030204" pitchFamily="34" charset="0"/>
+                <a:cs typeface="Times New Roman" panose="02020603050405020304" pitchFamily="18" charset="0"/>
+              </a:rPr>
+              <a:t>Sandeep Kumar, Pranab K. </a:t>
+            </a:r>
+            <a:r>
+              <a:rPr lang="en-IN" sz="1800" dirty="0" err="1">
+                <a:effectLst/>
+                <a:latin typeface="Times New Roman" panose="02020603050405020304" pitchFamily="18" charset="0"/>
+                <a:ea typeface="Calibri" panose="020F0502020204030204" pitchFamily="34" charset="0"/>
+                <a:cs typeface="Times New Roman" panose="02020603050405020304" pitchFamily="18" charset="0"/>
+              </a:rPr>
+              <a:t>Muhuri</a:t>
+            </a:r>
+            <a:r>
+              <a:rPr lang="en-IN" sz="1800" dirty="0">
+                <a:effectLst/>
+                <a:latin typeface="Times New Roman" panose="02020603050405020304" pitchFamily="18" charset="0"/>
+                <a:ea typeface="Calibri" panose="020F0502020204030204" pitchFamily="34" charset="0"/>
+                <a:cs typeface="Times New Roman" panose="02020603050405020304" pitchFamily="18" charset="0"/>
+              </a:rPr>
+              <a:t>: “A novel GDP prediction technique based on transfer learning using CO2 emission dataset” " Applied Energy 253 (2019)</a:t>
+            </a:r>
+            <a:endParaRPr lang="en-IN" sz="1800" dirty="0">
+              <a:effectLst/>
+              <a:latin typeface="Calibri" panose="020F0502020204030204" pitchFamily="34" charset="0"/>
+              <a:ea typeface="Calibri" panose="020F0502020204030204" pitchFamily="34" charset="0"/>
+              <a:cs typeface="Times New Roman" panose="02020603050405020304" pitchFamily="18" charset="0"/>
+            </a:endParaRPr>
+          </a:p>
+          <a:p>
+            <a:pPr algn="just">
+              <a:lnSpc>
+                <a:spcPct val="107000"/>
+              </a:lnSpc>
+              <a:spcAft>
+                <a:spcPts val="800"/>
+              </a:spcAft>
+            </a:pPr>
+            <a:r>
+              <a:rPr lang="en-IN" sz="1800" dirty="0">
+                <a:effectLst/>
+                <a:latin typeface="Times New Roman" panose="02020603050405020304" pitchFamily="18" charset="0"/>
+                <a:ea typeface="Calibri" panose="020F0502020204030204" pitchFamily="34" charset="0"/>
+                <a:cs typeface="Times New Roman" panose="02020603050405020304" pitchFamily="18" charset="0"/>
+              </a:rPr>
+              <a:t>[2] Tao Jia , </a:t>
+            </a:r>
+            <a:r>
+              <a:rPr lang="en-IN" sz="1800" dirty="0" err="1">
+                <a:effectLst/>
+                <a:latin typeface="Times New Roman" panose="02020603050405020304" pitchFamily="18" charset="0"/>
+                <a:ea typeface="Calibri" panose="020F0502020204030204" pitchFamily="34" charset="0"/>
+                <a:cs typeface="Times New Roman" panose="02020603050405020304" pitchFamily="18" charset="0"/>
+              </a:rPr>
+              <a:t>Pengcheng</a:t>
+            </a:r>
+            <a:r>
+              <a:rPr lang="en-IN" sz="1800" dirty="0">
+                <a:effectLst/>
+                <a:latin typeface="Times New Roman" panose="02020603050405020304" pitchFamily="18" charset="0"/>
+                <a:ea typeface="Calibri" panose="020F0502020204030204" pitchFamily="34" charset="0"/>
+                <a:cs typeface="Times New Roman" panose="02020603050405020304" pitchFamily="18" charset="0"/>
+              </a:rPr>
+              <a:t> Zhang, and </a:t>
+            </a:r>
+            <a:r>
+              <a:rPr lang="en-IN" sz="1800" dirty="0" err="1">
+                <a:effectLst/>
+                <a:latin typeface="Times New Roman" panose="02020603050405020304" pitchFamily="18" charset="0"/>
+                <a:ea typeface="Calibri" panose="020F0502020204030204" pitchFamily="34" charset="0"/>
+                <a:cs typeface="Times New Roman" panose="02020603050405020304" pitchFamily="18" charset="0"/>
+              </a:rPr>
+              <a:t>Biyu</a:t>
+            </a:r>
+            <a:r>
+              <a:rPr lang="en-IN" sz="1800" dirty="0">
+                <a:effectLst/>
+                <a:latin typeface="Times New Roman" panose="02020603050405020304" pitchFamily="18" charset="0"/>
+                <a:ea typeface="Calibri" panose="020F0502020204030204" pitchFamily="34" charset="0"/>
+                <a:cs typeface="Times New Roman" panose="02020603050405020304" pitchFamily="18" charset="0"/>
+              </a:rPr>
+              <a:t> Chen “A Microscopic Model of Vehicle CO2 Emissions Based on Deep Learning—A Spatiotemporal Analysis of Taxicabs in Wuhan, China” IEEE TRANSACTIONS ON INTELLIGENT TRANSPORTATION SYSTEMS,2022.</a:t>
+            </a:r>
+            <a:endParaRPr lang="en-IN" sz="1800" dirty="0">
+              <a:effectLst/>
+              <a:latin typeface="Calibri" panose="020F0502020204030204" pitchFamily="34" charset="0"/>
+              <a:ea typeface="Calibri" panose="020F0502020204030204" pitchFamily="34" charset="0"/>
+              <a:cs typeface="Times New Roman" panose="02020603050405020304" pitchFamily="18" charset="0"/>
+            </a:endParaRPr>
+          </a:p>
+          <a:p>
+            <a:pPr algn="just">
+              <a:lnSpc>
+                <a:spcPct val="107000"/>
+              </a:lnSpc>
+              <a:spcAft>
+                <a:spcPts val="800"/>
+              </a:spcAft>
+            </a:pPr>
+            <a:r>
+              <a:rPr lang="en-IN" sz="1800" dirty="0">
+                <a:effectLst/>
+                <a:latin typeface="Times New Roman" panose="02020603050405020304" pitchFamily="18" charset="0"/>
+                <a:ea typeface="Calibri" panose="020F0502020204030204" pitchFamily="34" charset="0"/>
+                <a:cs typeface="Times New Roman" panose="02020603050405020304" pitchFamily="18" charset="0"/>
+              </a:rPr>
+              <a:t>[3] Ngo Le Huy Hien and Ah-Lian Kor “Analysis and Prediction Model of Fuel Consumption and Carbon Dioxide Emissions of Light-Duty Vehicles” Appl. Sci. 2022, 12, 803.</a:t>
+            </a:r>
+            <a:endParaRPr lang="en-IN" sz="1800" dirty="0">
+              <a:effectLst/>
+              <a:latin typeface="Calibri" panose="020F0502020204030204" pitchFamily="34" charset="0"/>
+              <a:ea typeface="Calibri" panose="020F0502020204030204" pitchFamily="34" charset="0"/>
+              <a:cs typeface="Times New Roman" panose="02020603050405020304" pitchFamily="18" charset="0"/>
+            </a:endParaRPr>
+          </a:p>
+          <a:p>
+            <a:pPr algn="just">
+              <a:lnSpc>
+                <a:spcPct val="107000"/>
+              </a:lnSpc>
+              <a:spcAft>
+                <a:spcPts val="800"/>
+              </a:spcAft>
+            </a:pPr>
+            <a:r>
+              <a:rPr lang="en-IN" sz="1800" dirty="0">
+                <a:effectLst/>
+                <a:latin typeface="Times New Roman" panose="02020603050405020304" pitchFamily="18" charset="0"/>
+                <a:ea typeface="Calibri" panose="020F0502020204030204" pitchFamily="34" charset="0"/>
+                <a:cs typeface="Times New Roman" panose="02020603050405020304" pitchFamily="18" charset="0"/>
+              </a:rPr>
+              <a:t>[4] </a:t>
+            </a:r>
+            <a:r>
+              <a:rPr lang="en-IN" sz="1800" dirty="0" err="1">
+                <a:effectLst/>
+                <a:latin typeface="Times New Roman" panose="02020603050405020304" pitchFamily="18" charset="0"/>
+                <a:ea typeface="Calibri" panose="020F0502020204030204" pitchFamily="34" charset="0"/>
+                <a:cs typeface="Times New Roman" panose="02020603050405020304" pitchFamily="18" charset="0"/>
+              </a:rPr>
+              <a:t>Huafang</a:t>
+            </a:r>
+            <a:r>
+              <a:rPr lang="en-IN" sz="1800" dirty="0">
+                <a:effectLst/>
+                <a:latin typeface="Times New Roman" panose="02020603050405020304" pitchFamily="18" charset="0"/>
+                <a:ea typeface="Calibri" panose="020F0502020204030204" pitchFamily="34" charset="0"/>
+                <a:cs typeface="Times New Roman" panose="02020603050405020304" pitchFamily="18" charset="0"/>
+              </a:rPr>
+              <a:t> Huang, </a:t>
+            </a:r>
+            <a:r>
+              <a:rPr lang="en-IN" sz="1800" dirty="0" err="1">
+                <a:effectLst/>
+                <a:latin typeface="Times New Roman" panose="02020603050405020304" pitchFamily="18" charset="0"/>
+                <a:ea typeface="Calibri" panose="020F0502020204030204" pitchFamily="34" charset="0"/>
+                <a:cs typeface="Times New Roman" panose="02020603050405020304" pitchFamily="18" charset="0"/>
+              </a:rPr>
+              <a:t>Xiaomao</a:t>
+            </a:r>
+            <a:r>
+              <a:rPr lang="en-IN" sz="1800" dirty="0">
+                <a:effectLst/>
+                <a:latin typeface="Times New Roman" panose="02020603050405020304" pitchFamily="18" charset="0"/>
+                <a:ea typeface="Calibri" panose="020F0502020204030204" pitchFamily="34" charset="0"/>
+                <a:cs typeface="Times New Roman" panose="02020603050405020304" pitchFamily="18" charset="0"/>
+              </a:rPr>
+              <a:t> Wu and </a:t>
+            </a:r>
+            <a:r>
+              <a:rPr lang="en-IN" sz="1800" dirty="0" err="1">
+                <a:effectLst/>
+                <a:latin typeface="Times New Roman" panose="02020603050405020304" pitchFamily="18" charset="0"/>
+                <a:ea typeface="Calibri" panose="020F0502020204030204" pitchFamily="34" charset="0"/>
+                <a:cs typeface="Times New Roman" panose="02020603050405020304" pitchFamily="18" charset="0"/>
+              </a:rPr>
+              <a:t>Xianfu</a:t>
+            </a:r>
+            <a:r>
+              <a:rPr lang="en-IN" sz="1800" dirty="0">
+                <a:effectLst/>
+                <a:latin typeface="Times New Roman" panose="02020603050405020304" pitchFamily="18" charset="0"/>
+                <a:ea typeface="Calibri" panose="020F0502020204030204" pitchFamily="34" charset="0"/>
+                <a:cs typeface="Times New Roman" panose="02020603050405020304" pitchFamily="18" charset="0"/>
+              </a:rPr>
+              <a:t> Cheng “The Prediction of Carbon Emission Information in Yangtze River Economic Zone by Deep Learning” Land 2021, 10, 1380.</a:t>
+            </a:r>
+            <a:endParaRPr lang="en-IN" sz="1800" dirty="0">
+              <a:effectLst/>
+              <a:latin typeface="Calibri" panose="020F0502020204030204" pitchFamily="34" charset="0"/>
+              <a:ea typeface="Calibri" panose="020F0502020204030204" pitchFamily="34" charset="0"/>
+              <a:cs typeface="Times New Roman" panose="02020603050405020304" pitchFamily="18" charset="0"/>
+            </a:endParaRPr>
+          </a:p>
+          <a:p>
+            <a:pPr algn="just">
+              <a:lnSpc>
+                <a:spcPct val="107000"/>
+              </a:lnSpc>
+              <a:spcAft>
+                <a:spcPts val="800"/>
+              </a:spcAft>
+            </a:pPr>
+            <a:r>
+              <a:rPr lang="en-IN" sz="1800" dirty="0">
+                <a:effectLst/>
+                <a:latin typeface="Times New Roman" panose="02020603050405020304" pitchFamily="18" charset="0"/>
+                <a:ea typeface="Calibri" panose="020F0502020204030204" pitchFamily="34" charset="0"/>
+                <a:cs typeface="Times New Roman" panose="02020603050405020304" pitchFamily="18" charset="0"/>
+              </a:rPr>
+              <a:t>[5] </a:t>
+            </a:r>
+            <a:r>
+              <a:rPr lang="en-IN" sz="1800" dirty="0" err="1">
+                <a:effectLst/>
+                <a:latin typeface="Times New Roman" panose="02020603050405020304" pitchFamily="18" charset="0"/>
+                <a:ea typeface="Calibri" panose="020F0502020204030204" pitchFamily="34" charset="0"/>
+                <a:cs typeface="Times New Roman" panose="02020603050405020304" pitchFamily="18" charset="0"/>
+              </a:rPr>
+              <a:t>Chairul</a:t>
+            </a:r>
+            <a:r>
+              <a:rPr lang="en-IN" sz="1800" dirty="0">
+                <a:effectLst/>
+                <a:latin typeface="Times New Roman" panose="02020603050405020304" pitchFamily="18" charset="0"/>
+                <a:ea typeface="Calibri" panose="020F0502020204030204" pitchFamily="34" charset="0"/>
+                <a:cs typeface="Times New Roman" panose="02020603050405020304" pitchFamily="18" charset="0"/>
+              </a:rPr>
+              <a:t> Saleh, Nur </a:t>
+            </a:r>
+            <a:r>
+              <a:rPr lang="en-IN" sz="1800" dirty="0" err="1">
+                <a:effectLst/>
+                <a:latin typeface="Times New Roman" panose="02020603050405020304" pitchFamily="18" charset="0"/>
+                <a:ea typeface="Calibri" panose="020F0502020204030204" pitchFamily="34" charset="0"/>
+                <a:cs typeface="Times New Roman" panose="02020603050405020304" pitchFamily="18" charset="0"/>
+              </a:rPr>
+              <a:t>Rachman</a:t>
+            </a:r>
+            <a:r>
+              <a:rPr lang="en-IN" sz="1800" dirty="0">
+                <a:effectLst/>
+                <a:latin typeface="Times New Roman" panose="02020603050405020304" pitchFamily="18" charset="0"/>
+                <a:ea typeface="Calibri" panose="020F0502020204030204" pitchFamily="34" charset="0"/>
+                <a:cs typeface="Times New Roman" panose="02020603050405020304" pitchFamily="18" charset="0"/>
+              </a:rPr>
+              <a:t> </a:t>
+            </a:r>
+            <a:r>
+              <a:rPr lang="en-IN" sz="1800" dirty="0" err="1">
+                <a:effectLst/>
+                <a:latin typeface="Times New Roman" panose="02020603050405020304" pitchFamily="18" charset="0"/>
+                <a:ea typeface="Calibri" panose="020F0502020204030204" pitchFamily="34" charset="0"/>
+                <a:cs typeface="Times New Roman" panose="02020603050405020304" pitchFamily="18" charset="0"/>
+              </a:rPr>
+              <a:t>Dzakiyullah</a:t>
+            </a:r>
+            <a:r>
+              <a:rPr lang="en-IN" sz="1800" dirty="0">
+                <a:effectLst/>
+                <a:latin typeface="Times New Roman" panose="02020603050405020304" pitchFamily="18" charset="0"/>
+                <a:ea typeface="Calibri" panose="020F0502020204030204" pitchFamily="34" charset="0"/>
+                <a:cs typeface="Times New Roman" panose="02020603050405020304" pitchFamily="18" charset="0"/>
+              </a:rPr>
+              <a:t> , Jonathan </a:t>
+            </a:r>
+            <a:r>
+              <a:rPr lang="en-IN" sz="1800" dirty="0" err="1">
+                <a:effectLst/>
+                <a:latin typeface="Times New Roman" panose="02020603050405020304" pitchFamily="18" charset="0"/>
+                <a:ea typeface="Calibri" panose="020F0502020204030204" pitchFamily="34" charset="0"/>
+                <a:cs typeface="Times New Roman" panose="02020603050405020304" pitchFamily="18" charset="0"/>
+              </a:rPr>
+              <a:t>Bayu</a:t>
+            </a:r>
+            <a:r>
+              <a:rPr lang="en-IN" sz="1800" dirty="0">
+                <a:effectLst/>
+                <a:latin typeface="Times New Roman" panose="02020603050405020304" pitchFamily="18" charset="0"/>
+                <a:ea typeface="Calibri" panose="020F0502020204030204" pitchFamily="34" charset="0"/>
+                <a:cs typeface="Times New Roman" panose="02020603050405020304" pitchFamily="18" charset="0"/>
+              </a:rPr>
+              <a:t> Nugroho “Carbon dioxide emission prediction using support vector machine” IOP Conf. Series: Materials Science and Engineering 2015.</a:t>
+            </a:r>
+            <a:endParaRPr lang="en-IN" sz="1800" dirty="0">
+              <a:effectLst/>
+              <a:latin typeface="Calibri" panose="020F0502020204030204" pitchFamily="34" charset="0"/>
+              <a:ea typeface="Calibri" panose="020F0502020204030204" pitchFamily="34" charset="0"/>
+              <a:cs typeface="Times New Roman" panose="02020603050405020304" pitchFamily="18" charset="0"/>
+            </a:endParaRPr>
+          </a:p>
+          <a:p>
+            <a:endParaRPr lang="en-IN" dirty="0"/>
+          </a:p>
+        </p:txBody>
+      </p:sp>
+    </p:spTree>
+    <p:extLst>
+      <p:ext uri="{BB962C8B-B14F-4D97-AF65-F5344CB8AC3E}">
+        <p14:creationId xmlns:p14="http://schemas.microsoft.com/office/powerpoint/2010/main" val="3554452845"/>
+      </p:ext>
+    </p:extLst>
+  </p:cSld>
+  <p:clrMapOvr>
+    <a:masterClrMapping/>
+  </p:clrMapOvr>
+</p:sld>
+</file>
+
+<file path=ppt/slides/slide34.xml><?xml version="1.0" encoding="utf-8"?>
+<p:sld xmlns:a="http://schemas.openxmlformats.org/drawingml/2006/main" xmlns:r="http://schemas.openxmlformats.org/officeDocument/2006/relationships" xmlns:p="http://schemas.openxmlformats.org/presentationml/2006/main">
+  <p:cSld>
+    <p:spTree>
+      <p:nvGrpSpPr>
+        <p:cNvPr id="1" name=""/>
+        <p:cNvGrpSpPr/>
+        <p:nvPr/>
+      </p:nvGrpSpPr>
+      <p:grpSpPr>
+        <a:xfrm>
+          <a:off x="0" y="0"/>
+          <a:ext cx="0" cy="0"/>
+          <a:chOff x="0" y="0"/>
+          <a:chExt cx="0" cy="0"/>
+        </a:xfrm>
+      </p:grpSpPr>
+      <p:sp>
+        <p:nvSpPr>
+          <p:cNvPr id="2" name="Title 1">
+            <a:extLst>
+              <a:ext uri="{FF2B5EF4-FFF2-40B4-BE49-F238E27FC236}">
+                <a16:creationId xmlns:a16="http://schemas.microsoft.com/office/drawing/2014/main" id="{7513A726-45BD-4B17-BF54-42F7352C7AE4}"/>
+              </a:ext>
+            </a:extLst>
+          </p:cNvPr>
+          <p:cNvSpPr>
+            <a:spLocks noGrp="1"/>
+          </p:cNvSpPr>
+          <p:nvPr>
+            <p:ph type="title"/>
+          </p:nvPr>
+        </p:nvSpPr>
+        <p:spPr>
+          <a:xfrm>
+            <a:off x="628650" y="165991"/>
+            <a:ext cx="7886700" cy="530258"/>
+          </a:xfrm>
+        </p:spPr>
+        <p:txBody>
+          <a:bodyPr>
+            <a:noAutofit/>
+          </a:bodyPr>
+          <a:lstStyle/>
+          <a:p>
+            <a:pPr algn="ctr"/>
+            <a:r>
               <a:rPr lang="en-US" sz="3600" b="1" dirty="0">
                 <a:solidFill>
                   <a:srgbClr val="7030A0"/>
@@ -11485,7 +11750,7 @@
           <a:p>
             <a:fld id="{9D3FF152-60F5-4862-82F9-1190556AA56F}" type="slidenum">
               <a:rPr lang="en-IN" smtClean="0"/>
-              <a:t>33</a:t>
+              <a:t>34</a:t>
             </a:fld>
             <a:endParaRPr lang="en-IN"/>
           </a:p>
